--- a/files/wavelets/Figuress.pptx
+++ b/files/wavelets/Figuress.pptx
@@ -261,7 +261,7 @@
           <a:p>
             <a:fld id="{CD4BC412-35D1-4B5F-A568-F268B4BC147A}" type="datetimeFigureOut">
               <a:rPr lang="en-US" smtClean="0"/>
-              <a:t>2/29/2020</a:t>
+              <a:t>3/13/2020</a:t>
             </a:fld>
             <a:endParaRPr lang="en-US"/>
           </a:p>
@@ -459,7 +459,7 @@
           <a:p>
             <a:fld id="{CD4BC412-35D1-4B5F-A568-F268B4BC147A}" type="datetimeFigureOut">
               <a:rPr lang="en-US" smtClean="0"/>
-              <a:t>2/29/2020</a:t>
+              <a:t>3/13/2020</a:t>
             </a:fld>
             <a:endParaRPr lang="en-US"/>
           </a:p>
@@ -667,7 +667,7 @@
           <a:p>
             <a:fld id="{CD4BC412-35D1-4B5F-A568-F268B4BC147A}" type="datetimeFigureOut">
               <a:rPr lang="en-US" smtClean="0"/>
-              <a:t>2/29/2020</a:t>
+              <a:t>3/13/2020</a:t>
             </a:fld>
             <a:endParaRPr lang="en-US"/>
           </a:p>
@@ -865,7 +865,7 @@
           <a:p>
             <a:fld id="{CD4BC412-35D1-4B5F-A568-F268B4BC147A}" type="datetimeFigureOut">
               <a:rPr lang="en-US" smtClean="0"/>
-              <a:t>2/29/2020</a:t>
+              <a:t>3/13/2020</a:t>
             </a:fld>
             <a:endParaRPr lang="en-US"/>
           </a:p>
@@ -1140,7 +1140,7 @@
           <a:p>
             <a:fld id="{CD4BC412-35D1-4B5F-A568-F268B4BC147A}" type="datetimeFigureOut">
               <a:rPr lang="en-US" smtClean="0"/>
-              <a:t>2/29/2020</a:t>
+              <a:t>3/13/2020</a:t>
             </a:fld>
             <a:endParaRPr lang="en-US"/>
           </a:p>
@@ -1405,7 +1405,7 @@
           <a:p>
             <a:fld id="{CD4BC412-35D1-4B5F-A568-F268B4BC147A}" type="datetimeFigureOut">
               <a:rPr lang="en-US" smtClean="0"/>
-              <a:t>2/29/2020</a:t>
+              <a:t>3/13/2020</a:t>
             </a:fld>
             <a:endParaRPr lang="en-US"/>
           </a:p>
@@ -1817,7 +1817,7 @@
           <a:p>
             <a:fld id="{CD4BC412-35D1-4B5F-A568-F268B4BC147A}" type="datetimeFigureOut">
               <a:rPr lang="en-US" smtClean="0"/>
-              <a:t>2/29/2020</a:t>
+              <a:t>3/13/2020</a:t>
             </a:fld>
             <a:endParaRPr lang="en-US"/>
           </a:p>
@@ -1958,7 +1958,7 @@
           <a:p>
             <a:fld id="{CD4BC412-35D1-4B5F-A568-F268B4BC147A}" type="datetimeFigureOut">
               <a:rPr lang="en-US" smtClean="0"/>
-              <a:t>2/29/2020</a:t>
+              <a:t>3/13/2020</a:t>
             </a:fld>
             <a:endParaRPr lang="en-US"/>
           </a:p>
@@ -2071,7 +2071,7 @@
           <a:p>
             <a:fld id="{CD4BC412-35D1-4B5F-A568-F268B4BC147A}" type="datetimeFigureOut">
               <a:rPr lang="en-US" smtClean="0"/>
-              <a:t>2/29/2020</a:t>
+              <a:t>3/13/2020</a:t>
             </a:fld>
             <a:endParaRPr lang="en-US"/>
           </a:p>
@@ -2382,7 +2382,7 @@
           <a:p>
             <a:fld id="{CD4BC412-35D1-4B5F-A568-F268B4BC147A}" type="datetimeFigureOut">
               <a:rPr lang="en-US" smtClean="0"/>
-              <a:t>2/29/2020</a:t>
+              <a:t>3/13/2020</a:t>
             </a:fld>
             <a:endParaRPr lang="en-US"/>
           </a:p>
@@ -2670,7 +2670,7 @@
           <a:p>
             <a:fld id="{CD4BC412-35D1-4B5F-A568-F268B4BC147A}" type="datetimeFigureOut">
               <a:rPr lang="en-US" smtClean="0"/>
-              <a:t>2/29/2020</a:t>
+              <a:t>3/13/2020</a:t>
             </a:fld>
             <a:endParaRPr lang="en-US"/>
           </a:p>
@@ -2911,7 +2911,7 @@
           <a:p>
             <a:fld id="{CD4BC412-35D1-4B5F-A568-F268B4BC147A}" type="datetimeFigureOut">
               <a:rPr lang="en-US" smtClean="0"/>
-              <a:t>2/29/2020</a:t>
+              <a:t>3/13/2020</a:t>
             </a:fld>
             <a:endParaRPr lang="en-US"/>
           </a:p>
@@ -3412,10 +3412,10 @@
       </p:sp>
       <p:sp>
         <p:nvSpPr>
-          <p:cNvPr id="8" name="Oval 7">
-            <a:extLst>
-              <a:ext uri="{FF2B5EF4-FFF2-40B4-BE49-F238E27FC236}">
-                <a16:creationId xmlns:a16="http://schemas.microsoft.com/office/drawing/2014/main" id="{234B2F81-6742-4F45-B82B-9BD3F768BFA2}"/>
+          <p:cNvPr id="9" name="Oval 8">
+            <a:extLst>
+              <a:ext uri="{FF2B5EF4-FFF2-40B4-BE49-F238E27FC236}">
+                <a16:creationId xmlns:a16="http://schemas.microsoft.com/office/drawing/2014/main" id="{F9AFC684-3397-4D01-9C90-B340EB7AA9E3}"/>
               </a:ext>
             </a:extLst>
           </p:cNvPr>
@@ -3424,8 +3424,8 @@
         </p:nvSpPr>
         <p:spPr>
           <a:xfrm>
-            <a:off x="7096125" y="3328988"/>
-            <a:ext cx="419102" cy="400050"/>
+            <a:off x="4667255" y="2950144"/>
+            <a:ext cx="1652584" cy="1003803"/>
           </a:xfrm>
           <a:prstGeom prst="ellipse">
             <a:avLst/>
@@ -3464,58 +3464,6 @@
       </p:sp>
       <p:sp>
         <p:nvSpPr>
-          <p:cNvPr id="9" name="Oval 8">
-            <a:extLst>
-              <a:ext uri="{FF2B5EF4-FFF2-40B4-BE49-F238E27FC236}">
-                <a16:creationId xmlns:a16="http://schemas.microsoft.com/office/drawing/2014/main" id="{F9AFC684-3397-4D01-9C90-B340EB7AA9E3}"/>
-              </a:ext>
-            </a:extLst>
-          </p:cNvPr>
-          <p:cNvSpPr/>
-          <p:nvPr/>
-        </p:nvSpPr>
-        <p:spPr>
-          <a:xfrm>
-            <a:off x="5191125" y="3224213"/>
-            <a:ext cx="1128713" cy="666750"/>
-          </a:xfrm>
-          <a:prstGeom prst="ellipse">
-            <a:avLst/>
-          </a:prstGeom>
-          <a:noFill/>
-          <a:ln>
-            <a:solidFill>
-              <a:srgbClr val="FF0000"/>
-            </a:solidFill>
-          </a:ln>
-        </p:spPr>
-        <p:style>
-          <a:lnRef idx="2">
-            <a:schemeClr val="accent1">
-              <a:shade val="50000"/>
-            </a:schemeClr>
-          </a:lnRef>
-          <a:fillRef idx="1">
-            <a:schemeClr val="accent1"/>
-          </a:fillRef>
-          <a:effectRef idx="0">
-            <a:schemeClr val="accent1"/>
-          </a:effectRef>
-          <a:fontRef idx="minor">
-            <a:schemeClr val="lt1"/>
-          </a:fontRef>
-        </p:style>
-        <p:txBody>
-          <a:bodyPr rtlCol="0" anchor="ctr"/>
-          <a:lstStyle/>
-          <a:p>
-            <a:pPr algn="ctr"/>
-            <a:endParaRPr lang="en-US"/>
-          </a:p>
-        </p:txBody>
-      </p:sp>
-      <p:sp>
-        <p:nvSpPr>
           <p:cNvPr id="10" name="Oval 9">
             <a:extLst>
               <a:ext uri="{FF2B5EF4-FFF2-40B4-BE49-F238E27FC236}">
@@ -3530,58 +3478,6 @@
           <a:xfrm>
             <a:off x="6500813" y="3328988"/>
             <a:ext cx="457200" cy="666750"/>
-          </a:xfrm>
-          <a:prstGeom prst="ellipse">
-            <a:avLst/>
-          </a:prstGeom>
-          <a:noFill/>
-          <a:ln>
-            <a:solidFill>
-              <a:srgbClr val="FF0000"/>
-            </a:solidFill>
-          </a:ln>
-        </p:spPr>
-        <p:style>
-          <a:lnRef idx="2">
-            <a:schemeClr val="accent1">
-              <a:shade val="50000"/>
-            </a:schemeClr>
-          </a:lnRef>
-          <a:fillRef idx="1">
-            <a:schemeClr val="accent1"/>
-          </a:fillRef>
-          <a:effectRef idx="0">
-            <a:schemeClr val="accent1"/>
-          </a:effectRef>
-          <a:fontRef idx="minor">
-            <a:schemeClr val="lt1"/>
-          </a:fontRef>
-        </p:style>
-        <p:txBody>
-          <a:bodyPr rtlCol="0" anchor="ctr"/>
-          <a:lstStyle/>
-          <a:p>
-            <a:pPr algn="ctr"/>
-            <a:endParaRPr lang="en-US"/>
-          </a:p>
-        </p:txBody>
-      </p:sp>
-      <p:sp>
-        <p:nvSpPr>
-          <p:cNvPr id="11" name="Oval 10">
-            <a:extLst>
-              <a:ext uri="{FF2B5EF4-FFF2-40B4-BE49-F238E27FC236}">
-                <a16:creationId xmlns:a16="http://schemas.microsoft.com/office/drawing/2014/main" id="{C20F3E3F-C634-4339-BC01-6FB1819FE18B}"/>
-              </a:ext>
-            </a:extLst>
-          </p:cNvPr>
-          <p:cNvSpPr/>
-          <p:nvPr/>
-        </p:nvSpPr>
-        <p:spPr>
-          <a:xfrm>
-            <a:off x="4655343" y="3362325"/>
-            <a:ext cx="419102" cy="400050"/>
           </a:xfrm>
           <a:prstGeom prst="ellipse">
             <a:avLst/>
@@ -3919,10 +3815,10 @@
       </p:cxnSp>
       <p:sp>
         <p:nvSpPr>
-          <p:cNvPr id="24" name="TextBox 23">
-            <a:extLst>
-              <a:ext uri="{FF2B5EF4-FFF2-40B4-BE49-F238E27FC236}">
-                <a16:creationId xmlns:a16="http://schemas.microsoft.com/office/drawing/2014/main" id="{AC57910E-DBD9-4F41-9DDA-4E1C99B9B5B1}"/>
+          <p:cNvPr id="27" name="TextBox 26">
+            <a:extLst>
+              <a:ext uri="{FF2B5EF4-FFF2-40B4-BE49-F238E27FC236}">
+                <a16:creationId xmlns:a16="http://schemas.microsoft.com/office/drawing/2014/main" id="{71357195-A238-49CE-9BA4-FE41C66FA06F}"/>
               </a:ext>
             </a:extLst>
           </p:cNvPr>
@@ -3931,8 +3827,8 @@
         </p:nvSpPr>
         <p:spPr>
           <a:xfrm>
-            <a:off x="4536279" y="2742976"/>
-            <a:ext cx="781050" cy="461665"/>
+            <a:off x="4819651" y="3995738"/>
+            <a:ext cx="1145380" cy="461665"/>
           </a:xfrm>
           <a:prstGeom prst="rect">
             <a:avLst/>
@@ -3946,79 +3842,10 @@
           <a:lstStyle/>
           <a:p>
             <a:r>
-              <a:rPr lang="en-US" sz="1200" dirty="0"/>
-              <a:t>Inertial Bounce</a:t>
-            </a:r>
-          </a:p>
-        </p:txBody>
-      </p:sp>
-      <p:sp>
-        <p:nvSpPr>
-          <p:cNvPr id="25" name="TextBox 24">
-            <a:extLst>
-              <a:ext uri="{FF2B5EF4-FFF2-40B4-BE49-F238E27FC236}">
-                <a16:creationId xmlns:a16="http://schemas.microsoft.com/office/drawing/2014/main" id="{708251A0-CFAE-4C33-B6CD-8B40C08CB845}"/>
-              </a:ext>
-            </a:extLst>
-          </p:cNvPr>
-          <p:cNvSpPr txBox="1"/>
-          <p:nvPr/>
-        </p:nvSpPr>
-        <p:spPr>
-          <a:xfrm>
-            <a:off x="7046116" y="2724968"/>
-            <a:ext cx="781050" cy="461665"/>
-          </a:xfrm>
-          <a:prstGeom prst="rect">
-            <a:avLst/>
-          </a:prstGeom>
-          <a:noFill/>
-        </p:spPr>
-        <p:txBody>
-          <a:bodyPr wrap="square" rtlCol="0">
-            <a:spAutoFit/>
-          </a:bodyPr>
-          <a:lstStyle/>
-          <a:p>
-            <a:r>
-              <a:rPr lang="en-US" sz="1200" dirty="0"/>
-              <a:t>Inertial Bounce</a:t>
-            </a:r>
-          </a:p>
-        </p:txBody>
-      </p:sp>
-      <p:sp>
-        <p:nvSpPr>
-          <p:cNvPr id="27" name="TextBox 26">
-            <a:extLst>
-              <a:ext uri="{FF2B5EF4-FFF2-40B4-BE49-F238E27FC236}">
-                <a16:creationId xmlns:a16="http://schemas.microsoft.com/office/drawing/2014/main" id="{71357195-A238-49CE-9BA4-FE41C66FA06F}"/>
-              </a:ext>
-            </a:extLst>
-          </p:cNvPr>
-          <p:cNvSpPr txBox="1"/>
-          <p:nvPr/>
-        </p:nvSpPr>
-        <p:spPr>
-          <a:xfrm>
-            <a:off x="5203032" y="3995738"/>
-            <a:ext cx="978693" cy="276999"/>
-          </a:xfrm>
-          <a:prstGeom prst="rect">
-            <a:avLst/>
-          </a:prstGeom>
-          <a:noFill/>
-        </p:spPr>
-        <p:txBody>
-          <a:bodyPr wrap="square" rtlCol="0">
-            <a:spAutoFit/>
-          </a:bodyPr>
-          <a:lstStyle/>
-          <a:p>
-            <a:r>
-              <a:rPr lang="en-US" sz="1200" dirty="0"/>
-              <a:t>Circling Back</a:t>
-            </a:r>
+              <a:rPr lang="en-US" sz="1200" dirty="0" smtClean="0"/>
+              <a:t>Going Back to Start Position</a:t>
+            </a:r>
+            <a:endParaRPr lang="en-US" sz="1200" dirty="0"/>
           </a:p>
         </p:txBody>
       </p:sp>
